--- a/docs/SMAI_Final.pptx
+++ b/docs/SMAI_Final.pptx
@@ -830,7 +830,7 @@
   <p:cSld>
     <p:spTree>
       <p:nvGrpSpPr>
-        <p:cNvPr id="189" name="Shape 189"/>
+        <p:cNvPr id="190" name="Shape 190"/>
         <p:cNvGrpSpPr/>
         <p:nvPr/>
       </p:nvGrpSpPr>
@@ -844,7 +844,7 @@
       </p:grpSpPr>
       <p:sp>
         <p:nvSpPr>
-          <p:cNvPr id="190" name="Google Shape;190;g1a2d222dbe1_0_145:notes"/>
+          <p:cNvPr id="191" name="Google Shape;191;g1a2d222dbe1_0_145:notes"/>
           <p:cNvSpPr/>
           <p:nvPr>
             <p:ph idx="2" type="sldImg"/>
@@ -879,7 +879,7 @@
       </p:sp>
       <p:sp>
         <p:nvSpPr>
-          <p:cNvPr id="191" name="Google Shape;191;g1a2d222dbe1_0_145:notes"/>
+          <p:cNvPr id="192" name="Google Shape;192;g1a2d222dbe1_0_145:notes"/>
           <p:cNvSpPr txBox="1"/>
           <p:nvPr>
             <p:ph idx="1" type="body"/>
@@ -929,7 +929,7 @@
   <p:cSld>
     <p:spTree>
       <p:nvGrpSpPr>
-        <p:cNvPr id="195" name="Shape 195"/>
+        <p:cNvPr id="196" name="Shape 196"/>
         <p:cNvGrpSpPr/>
         <p:nvPr/>
       </p:nvGrpSpPr>
@@ -943,7 +943,7 @@
       </p:grpSpPr>
       <p:sp>
         <p:nvSpPr>
-          <p:cNvPr id="196" name="Google Shape;196;g1ac5bd26064_2_13:notes"/>
+          <p:cNvPr id="197" name="Google Shape;197;g1ac5bd26064_2_13:notes"/>
           <p:cNvSpPr/>
           <p:nvPr>
             <p:ph idx="2" type="sldImg"/>
@@ -978,7 +978,7 @@
       </p:sp>
       <p:sp>
         <p:nvSpPr>
-          <p:cNvPr id="197" name="Google Shape;197;g1ac5bd26064_2_13:notes"/>
+          <p:cNvPr id="198" name="Google Shape;198;g1ac5bd26064_2_13:notes"/>
           <p:cNvSpPr txBox="1"/>
           <p:nvPr>
             <p:ph idx="1" type="body"/>
@@ -1028,7 +1028,7 @@
   <p:cSld>
     <p:spTree>
       <p:nvGrpSpPr>
-        <p:cNvPr id="201" name="Shape 201"/>
+        <p:cNvPr id="202" name="Shape 202"/>
         <p:cNvGrpSpPr/>
         <p:nvPr/>
       </p:nvGrpSpPr>
@@ -1042,7 +1042,7 @@
       </p:grpSpPr>
       <p:sp>
         <p:nvSpPr>
-          <p:cNvPr id="202" name="Google Shape;202;g1ac5bd26064_2_19:notes"/>
+          <p:cNvPr id="203" name="Google Shape;203;g1ac5bd26064_2_19:notes"/>
           <p:cNvSpPr/>
           <p:nvPr>
             <p:ph idx="2" type="sldImg"/>
@@ -1077,7 +1077,7 @@
       </p:sp>
       <p:sp>
         <p:nvSpPr>
-          <p:cNvPr id="203" name="Google Shape;203;g1ac5bd26064_2_19:notes"/>
+          <p:cNvPr id="204" name="Google Shape;204;g1ac5bd26064_2_19:notes"/>
           <p:cNvSpPr txBox="1"/>
           <p:nvPr>
             <p:ph idx="1" type="body"/>
@@ -1127,7 +1127,7 @@
   <p:cSld>
     <p:spTree>
       <p:nvGrpSpPr>
-        <p:cNvPr id="207" name="Shape 207"/>
+        <p:cNvPr id="208" name="Shape 208"/>
         <p:cNvGrpSpPr/>
         <p:nvPr/>
       </p:nvGrpSpPr>
@@ -1141,7 +1141,7 @@
       </p:grpSpPr>
       <p:sp>
         <p:nvSpPr>
-          <p:cNvPr id="208" name="Google Shape;208;g1ac5bd26064_2_25:notes"/>
+          <p:cNvPr id="209" name="Google Shape;209;g1ac5bd26064_2_25:notes"/>
           <p:cNvSpPr/>
           <p:nvPr>
             <p:ph idx="2" type="sldImg"/>
@@ -1176,7 +1176,7 @@
       </p:sp>
       <p:sp>
         <p:nvSpPr>
-          <p:cNvPr id="209" name="Google Shape;209;g1ac5bd26064_2_25:notes"/>
+          <p:cNvPr id="210" name="Google Shape;210;g1ac5bd26064_2_25:notes"/>
           <p:cNvSpPr txBox="1"/>
           <p:nvPr>
             <p:ph idx="1" type="body"/>
@@ -1226,7 +1226,7 @@
   <p:cSld>
     <p:spTree>
       <p:nvGrpSpPr>
-        <p:cNvPr id="213" name="Shape 213"/>
+        <p:cNvPr id="214" name="Shape 214"/>
         <p:cNvGrpSpPr/>
         <p:nvPr/>
       </p:nvGrpSpPr>
@@ -1240,7 +1240,7 @@
       </p:grpSpPr>
       <p:sp>
         <p:nvSpPr>
-          <p:cNvPr id="214" name="Google Shape;214;g1a2d222dbe1_0_159:notes"/>
+          <p:cNvPr id="215" name="Google Shape;215;g1a2d222dbe1_0_159:notes"/>
           <p:cNvSpPr/>
           <p:nvPr>
             <p:ph idx="2" type="sldImg"/>
@@ -1275,7 +1275,7 @@
       </p:sp>
       <p:sp>
         <p:nvSpPr>
-          <p:cNvPr id="215" name="Google Shape;215;g1a2d222dbe1_0_159:notes"/>
+          <p:cNvPr id="216" name="Google Shape;216;g1a2d222dbe1_0_159:notes"/>
           <p:cNvSpPr txBox="1"/>
           <p:nvPr>
             <p:ph idx="1" type="body"/>
@@ -1325,7 +1325,7 @@
   <p:cSld>
     <p:spTree>
       <p:nvGrpSpPr>
-        <p:cNvPr id="219" name="Shape 219"/>
+        <p:cNvPr id="220" name="Shape 220"/>
         <p:cNvGrpSpPr/>
         <p:nvPr/>
       </p:nvGrpSpPr>
@@ -1339,7 +1339,7 @@
       </p:grpSpPr>
       <p:sp>
         <p:nvSpPr>
-          <p:cNvPr id="220" name="Google Shape;220;g1ac5bd26064_2_32:notes"/>
+          <p:cNvPr id="221" name="Google Shape;221;g1ac5bd26064_2_32:notes"/>
           <p:cNvSpPr/>
           <p:nvPr>
             <p:ph idx="2" type="sldImg"/>
@@ -1374,7 +1374,7 @@
       </p:sp>
       <p:sp>
         <p:nvSpPr>
-          <p:cNvPr id="221" name="Google Shape;221;g1ac5bd26064_2_32:notes"/>
+          <p:cNvPr id="222" name="Google Shape;222;g1ac5bd26064_2_32:notes"/>
           <p:cNvSpPr txBox="1"/>
           <p:nvPr>
             <p:ph idx="1" type="body"/>
@@ -1424,7 +1424,7 @@
   <p:cSld>
     <p:spTree>
       <p:nvGrpSpPr>
-        <p:cNvPr id="226" name="Shape 226"/>
+        <p:cNvPr id="227" name="Shape 227"/>
         <p:cNvGrpSpPr/>
         <p:nvPr/>
       </p:nvGrpSpPr>
@@ -1438,7 +1438,7 @@
       </p:grpSpPr>
       <p:sp>
         <p:nvSpPr>
-          <p:cNvPr id="227" name="Google Shape;227;g1ac5bd26064_2_7:notes"/>
+          <p:cNvPr id="228" name="Google Shape;228;g1ac5bd26064_2_7:notes"/>
           <p:cNvSpPr/>
           <p:nvPr>
             <p:ph idx="2" type="sldImg"/>
@@ -1473,7 +1473,7 @@
       </p:sp>
       <p:sp>
         <p:nvSpPr>
-          <p:cNvPr id="228" name="Google Shape;228;g1ac5bd26064_2_7:notes"/>
+          <p:cNvPr id="229" name="Google Shape;229;g1ac5bd26064_2_7:notes"/>
           <p:cNvSpPr txBox="1"/>
           <p:nvPr>
             <p:ph idx="1" type="body"/>
@@ -1523,7 +1523,7 @@
   <p:cSld>
     <p:spTree>
       <p:nvGrpSpPr>
-        <p:cNvPr id="232" name="Shape 232"/>
+        <p:cNvPr id="233" name="Shape 233"/>
         <p:cNvGrpSpPr/>
         <p:nvPr/>
       </p:nvGrpSpPr>
@@ -1537,7 +1537,7 @@
       </p:grpSpPr>
       <p:sp>
         <p:nvSpPr>
-          <p:cNvPr id="233" name="Google Shape;233;g1ac5bd26064_2_55:notes"/>
+          <p:cNvPr id="234" name="Google Shape;234;g1ac5bd26064_2_55:notes"/>
           <p:cNvSpPr/>
           <p:nvPr>
             <p:ph idx="2" type="sldImg"/>
@@ -1572,7 +1572,7 @@
       </p:sp>
       <p:sp>
         <p:nvSpPr>
-          <p:cNvPr id="234" name="Google Shape;234;g1ac5bd26064_2_55:notes"/>
+          <p:cNvPr id="235" name="Google Shape;235;g1ac5bd26064_2_55:notes"/>
           <p:cNvSpPr txBox="1"/>
           <p:nvPr>
             <p:ph idx="1" type="body"/>
@@ -1622,7 +1622,7 @@
   <p:cSld>
     <p:spTree>
       <p:nvGrpSpPr>
-        <p:cNvPr id="241" name="Shape 241"/>
+        <p:cNvPr id="242" name="Shape 242"/>
         <p:cNvGrpSpPr/>
         <p:nvPr/>
       </p:nvGrpSpPr>
@@ -1636,7 +1636,7 @@
       </p:grpSpPr>
       <p:sp>
         <p:nvSpPr>
-          <p:cNvPr id="242" name="Google Shape;242;g1ac5bd26064_2_63:notes"/>
+          <p:cNvPr id="243" name="Google Shape;243;g1ac5bd26064_2_63:notes"/>
           <p:cNvSpPr/>
           <p:nvPr>
             <p:ph idx="2" type="sldImg"/>
@@ -1671,7 +1671,7 @@
       </p:sp>
       <p:sp>
         <p:nvSpPr>
-          <p:cNvPr id="243" name="Google Shape;243;g1ac5bd26064_2_63:notes"/>
+          <p:cNvPr id="244" name="Google Shape;244;g1ac5bd26064_2_63:notes"/>
           <p:cNvSpPr txBox="1"/>
           <p:nvPr>
             <p:ph idx="1" type="body"/>
@@ -1721,7 +1721,7 @@
   <p:cSld>
     <p:spTree>
       <p:nvGrpSpPr>
-        <p:cNvPr id="250" name="Shape 250"/>
+        <p:cNvPr id="251" name="Shape 251"/>
         <p:cNvGrpSpPr/>
         <p:nvPr/>
       </p:nvGrpSpPr>
@@ -1735,7 +1735,7 @@
       </p:grpSpPr>
       <p:sp>
         <p:nvSpPr>
-          <p:cNvPr id="251" name="Google Shape;251;g1ac5bd26064_2_71:notes"/>
+          <p:cNvPr id="252" name="Google Shape;252;g1ac5bd26064_2_71:notes"/>
           <p:cNvSpPr/>
           <p:nvPr>
             <p:ph idx="2" type="sldImg"/>
@@ -1770,7 +1770,7 @@
       </p:sp>
       <p:sp>
         <p:nvSpPr>
-          <p:cNvPr id="252" name="Google Shape;252;g1ac5bd26064_2_71:notes"/>
+          <p:cNvPr id="253" name="Google Shape;253;g1ac5bd26064_2_71:notes"/>
           <p:cNvSpPr txBox="1"/>
           <p:nvPr>
             <p:ph idx="1" type="body"/>
@@ -1820,7 +1820,7 @@
   <p:cSld>
     <p:spTree>
       <p:nvGrpSpPr>
-        <p:cNvPr id="136" name="Shape 136"/>
+        <p:cNvPr id="137" name="Shape 137"/>
         <p:cNvGrpSpPr/>
         <p:nvPr/>
       </p:nvGrpSpPr>
@@ -1834,7 +1834,7 @@
       </p:grpSpPr>
       <p:sp>
         <p:nvSpPr>
-          <p:cNvPr id="137" name="Google Shape;137;g1a2d222dbe1_0_125:notes"/>
+          <p:cNvPr id="138" name="Google Shape;138;g1a2d222dbe1_0_125:notes"/>
           <p:cNvSpPr/>
           <p:nvPr>
             <p:ph idx="2" type="sldImg"/>
@@ -1869,7 +1869,7 @@
       </p:sp>
       <p:sp>
         <p:nvSpPr>
-          <p:cNvPr id="138" name="Google Shape;138;g1a2d222dbe1_0_125:notes"/>
+          <p:cNvPr id="139" name="Google Shape;139;g1a2d222dbe1_0_125:notes"/>
           <p:cNvSpPr txBox="1"/>
           <p:nvPr>
             <p:ph idx="1" type="body"/>
@@ -1919,7 +1919,7 @@
   <p:cSld>
     <p:spTree>
       <p:nvGrpSpPr>
-        <p:cNvPr id="259" name="Shape 259"/>
+        <p:cNvPr id="260" name="Shape 260"/>
         <p:cNvGrpSpPr/>
         <p:nvPr/>
       </p:nvGrpSpPr>
@@ -1933,7 +1933,7 @@
       </p:grpSpPr>
       <p:sp>
         <p:nvSpPr>
-          <p:cNvPr id="260" name="Google Shape;260;g1ac5bd26064_2_79:notes"/>
+          <p:cNvPr id="261" name="Google Shape;261;g1ac5bd26064_2_79:notes"/>
           <p:cNvSpPr/>
           <p:nvPr>
             <p:ph idx="2" type="sldImg"/>
@@ -1968,7 +1968,7 @@
       </p:sp>
       <p:sp>
         <p:nvSpPr>
-          <p:cNvPr id="261" name="Google Shape;261;g1ac5bd26064_2_79:notes"/>
+          <p:cNvPr id="262" name="Google Shape;262;g1ac5bd26064_2_79:notes"/>
           <p:cNvSpPr txBox="1"/>
           <p:nvPr>
             <p:ph idx="1" type="body"/>
@@ -2018,7 +2018,7 @@
   <p:cSld>
     <p:spTree>
       <p:nvGrpSpPr>
-        <p:cNvPr id="143" name="Shape 143"/>
+        <p:cNvPr id="144" name="Shape 144"/>
         <p:cNvGrpSpPr/>
         <p:nvPr/>
       </p:nvGrpSpPr>
@@ -2032,7 +2032,7 @@
       </p:grpSpPr>
       <p:sp>
         <p:nvSpPr>
-          <p:cNvPr id="144" name="Google Shape;144;g1a2d222dbe1_0_130:notes"/>
+          <p:cNvPr id="145" name="Google Shape;145;g1a2d222dbe1_0_130:notes"/>
           <p:cNvSpPr/>
           <p:nvPr>
             <p:ph idx="2" type="sldImg"/>
@@ -2067,7 +2067,7 @@
       </p:sp>
       <p:sp>
         <p:nvSpPr>
-          <p:cNvPr id="145" name="Google Shape;145;g1a2d222dbe1_0_130:notes"/>
+          <p:cNvPr id="146" name="Google Shape;146;g1a2d222dbe1_0_130:notes"/>
           <p:cNvSpPr txBox="1"/>
           <p:nvPr>
             <p:ph idx="1" type="body"/>
@@ -2117,7 +2117,7 @@
   <p:cSld>
     <p:spTree>
       <p:nvGrpSpPr>
-        <p:cNvPr id="150" name="Shape 150"/>
+        <p:cNvPr id="151" name="Shape 151"/>
         <p:cNvGrpSpPr/>
         <p:nvPr/>
       </p:nvGrpSpPr>
@@ -2131,7 +2131,7 @@
       </p:grpSpPr>
       <p:sp>
         <p:nvSpPr>
-          <p:cNvPr id="151" name="Google Shape;151;g1a2d222dbe1_0_150:notes"/>
+          <p:cNvPr id="152" name="Google Shape;152;g1a2d222dbe1_0_150:notes"/>
           <p:cNvSpPr/>
           <p:nvPr>
             <p:ph idx="2" type="sldImg"/>
@@ -2166,7 +2166,7 @@
       </p:sp>
       <p:sp>
         <p:nvSpPr>
-          <p:cNvPr id="152" name="Google Shape;152;g1a2d222dbe1_0_150:notes"/>
+          <p:cNvPr id="153" name="Google Shape;153;g1a2d222dbe1_0_150:notes"/>
           <p:cNvSpPr txBox="1"/>
           <p:nvPr>
             <p:ph idx="1" type="body"/>
@@ -2216,7 +2216,7 @@
   <p:cSld>
     <p:spTree>
       <p:nvGrpSpPr>
-        <p:cNvPr id="157" name="Shape 157"/>
+        <p:cNvPr id="158" name="Shape 158"/>
         <p:cNvGrpSpPr/>
         <p:nvPr/>
       </p:nvGrpSpPr>
@@ -2230,7 +2230,7 @@
       </p:grpSpPr>
       <p:sp>
         <p:nvSpPr>
-          <p:cNvPr id="158" name="Google Shape;158;g1a2d222dbe1_0_135:notes"/>
+          <p:cNvPr id="159" name="Google Shape;159;g1a2d222dbe1_0_135:notes"/>
           <p:cNvSpPr/>
           <p:nvPr>
             <p:ph idx="2" type="sldImg"/>
@@ -2265,7 +2265,7 @@
       </p:sp>
       <p:sp>
         <p:nvSpPr>
-          <p:cNvPr id="159" name="Google Shape;159;g1a2d222dbe1_0_135:notes"/>
+          <p:cNvPr id="160" name="Google Shape;160;g1a2d222dbe1_0_135:notes"/>
           <p:cNvSpPr txBox="1"/>
           <p:nvPr>
             <p:ph idx="1" type="body"/>
@@ -2315,7 +2315,7 @@
   <p:cSld>
     <p:spTree>
       <p:nvGrpSpPr>
-        <p:cNvPr id="163" name="Shape 163"/>
+        <p:cNvPr id="164" name="Shape 164"/>
         <p:cNvGrpSpPr/>
         <p:nvPr/>
       </p:nvGrpSpPr>
@@ -2329,7 +2329,7 @@
       </p:grpSpPr>
       <p:sp>
         <p:nvSpPr>
-          <p:cNvPr id="164" name="Google Shape;164;g1ac5bd26064_2_1:notes"/>
+          <p:cNvPr id="165" name="Google Shape;165;g1ac5bd26064_2_1:notes"/>
           <p:cNvSpPr/>
           <p:nvPr>
             <p:ph idx="2" type="sldImg"/>
@@ -2364,7 +2364,7 @@
       </p:sp>
       <p:sp>
         <p:nvSpPr>
-          <p:cNvPr id="165" name="Google Shape;165;g1ac5bd26064_2_1:notes"/>
+          <p:cNvPr id="166" name="Google Shape;166;g1ac5bd26064_2_1:notes"/>
           <p:cNvSpPr txBox="1"/>
           <p:nvPr>
             <p:ph idx="1" type="body"/>
@@ -2414,7 +2414,7 @@
   <p:cSld>
     <p:spTree>
       <p:nvGrpSpPr>
-        <p:cNvPr id="170" name="Shape 170"/>
+        <p:cNvPr id="171" name="Shape 171"/>
         <p:cNvGrpSpPr/>
         <p:nvPr/>
       </p:nvGrpSpPr>
@@ -2428,7 +2428,7 @@
       </p:grpSpPr>
       <p:sp>
         <p:nvSpPr>
-          <p:cNvPr id="171" name="Google Shape;171;g1a2d222dbe1_0_140:notes"/>
+          <p:cNvPr id="172" name="Google Shape;172;g1a2d222dbe1_0_140:notes"/>
           <p:cNvSpPr/>
           <p:nvPr>
             <p:ph idx="2" type="sldImg"/>
@@ -2463,7 +2463,7 @@
       </p:sp>
       <p:sp>
         <p:nvSpPr>
-          <p:cNvPr id="172" name="Google Shape;172;g1a2d222dbe1_0_140:notes"/>
+          <p:cNvPr id="173" name="Google Shape;173;g1a2d222dbe1_0_140:notes"/>
           <p:cNvSpPr txBox="1"/>
           <p:nvPr>
             <p:ph idx="1" type="body"/>
@@ -2513,7 +2513,7 @@
   <p:cSld>
     <p:spTree>
       <p:nvGrpSpPr>
-        <p:cNvPr id="176" name="Shape 176"/>
+        <p:cNvPr id="177" name="Shape 177"/>
         <p:cNvGrpSpPr/>
         <p:nvPr/>
       </p:nvGrpSpPr>
@@ -2527,7 +2527,7 @@
       </p:grpSpPr>
       <p:sp>
         <p:nvSpPr>
-          <p:cNvPr id="177" name="Google Shape;177;g1ac5bd26064_2_38:notes"/>
+          <p:cNvPr id="178" name="Google Shape;178;g1ac5bd26064_2_38:notes"/>
           <p:cNvSpPr/>
           <p:nvPr>
             <p:ph idx="2" type="sldImg"/>
@@ -2562,7 +2562,7 @@
       </p:sp>
       <p:sp>
         <p:nvSpPr>
-          <p:cNvPr id="178" name="Google Shape;178;g1ac5bd26064_2_38:notes"/>
+          <p:cNvPr id="179" name="Google Shape;179;g1ac5bd26064_2_38:notes"/>
           <p:cNvSpPr txBox="1"/>
           <p:nvPr>
             <p:ph idx="1" type="body"/>
@@ -2612,7 +2612,7 @@
   <p:cSld>
     <p:spTree>
       <p:nvGrpSpPr>
-        <p:cNvPr id="182" name="Shape 182"/>
+        <p:cNvPr id="183" name="Shape 183"/>
         <p:cNvGrpSpPr/>
         <p:nvPr/>
       </p:nvGrpSpPr>
@@ -2626,7 +2626,7 @@
       </p:grpSpPr>
       <p:sp>
         <p:nvSpPr>
-          <p:cNvPr id="183" name="Google Shape;183;g1ac5bd26064_2_48:notes"/>
+          <p:cNvPr id="184" name="Google Shape;184;g1ac5bd26064_2_48:notes"/>
           <p:cNvSpPr/>
           <p:nvPr>
             <p:ph idx="2" type="sldImg"/>
@@ -2661,7 +2661,7 @@
       </p:sp>
       <p:sp>
         <p:nvSpPr>
-          <p:cNvPr id="184" name="Google Shape;184;g1ac5bd26064_2_48:notes"/>
+          <p:cNvPr id="185" name="Google Shape;185;g1ac5bd26064_2_48:notes"/>
           <p:cNvSpPr txBox="1"/>
           <p:nvPr>
             <p:ph idx="1" type="body"/>
@@ -11064,6 +11064,77 @@
           </a:p>
         </p:txBody>
       </p:sp>
+      <p:sp>
+        <p:nvSpPr>
+          <p:cNvPr id="136" name="Google Shape;136;p13"/>
+          <p:cNvSpPr txBox="1"/>
+          <p:nvPr/>
+        </p:nvSpPr>
+        <p:spPr>
+          <a:xfrm>
+            <a:off x="385925" y="3669925"/>
+            <a:ext cx="3270000" cy="554100"/>
+          </a:xfrm>
+          <a:prstGeom prst="rect">
+            <a:avLst/>
+          </a:prstGeom>
+          <a:noFill/>
+          <a:ln>
+            <a:noFill/>
+          </a:ln>
+        </p:spPr>
+        <p:txBody>
+          <a:bodyPr anchorCtr="0" anchor="t" bIns="91425" lIns="91425" spcFirstLastPara="1" rIns="91425" wrap="square" tIns="91425">
+            <a:spAutoFit/>
+          </a:bodyPr>
+          <a:lstStyle/>
+          <a:p>
+            <a:pPr indent="0" lvl="0" marL="0" rtl="0" algn="l">
+              <a:spcBef>
+                <a:spcPts val="0"/>
+              </a:spcBef>
+              <a:spcAft>
+                <a:spcPts val="0"/>
+              </a:spcAft>
+              <a:buNone/>
+            </a:pPr>
+            <a:r>
+              <a:rPr b="1" lang="en" sz="1200">
+                <a:solidFill>
+                  <a:schemeClr val="lt1"/>
+                </a:solidFill>
+                <a:latin typeface="Lato"/>
+                <a:ea typeface="Lato"/>
+                <a:cs typeface="Lato"/>
+                <a:sym typeface="Lato"/>
+              </a:rPr>
+              <a:t>Git Repo: </a:t>
+            </a:r>
+            <a:r>
+              <a:rPr lang="en" sz="1200" u="sng">
+                <a:solidFill>
+                  <a:schemeClr val="hlink"/>
+                </a:solidFill>
+                <a:latin typeface="Lato"/>
+                <a:ea typeface="Lato"/>
+                <a:cs typeface="Lato"/>
+                <a:sym typeface="Lato"/>
+                <a:hlinkClick r:id="rId3"/>
+              </a:rPr>
+              <a:t>https://github.com/shreypatil/Visualize-CNN</a:t>
+            </a:r>
+            <a:endParaRPr sz="1200">
+              <a:solidFill>
+                <a:schemeClr val="lt1"/>
+              </a:solidFill>
+              <a:latin typeface="Lato"/>
+              <a:ea typeface="Lato"/>
+              <a:cs typeface="Lato"/>
+              <a:sym typeface="Lato"/>
+            </a:endParaRPr>
+          </a:p>
+        </p:txBody>
+      </p:sp>
     </p:spTree>
   </p:cSld>
   <p:clrMapOvr>
@@ -11077,7 +11148,7 @@
   <p:cSld>
     <p:spTree>
       <p:nvGrpSpPr>
-        <p:cNvPr id="192" name="Shape 192"/>
+        <p:cNvPr id="193" name="Shape 193"/>
         <p:cNvGrpSpPr/>
         <p:nvPr/>
       </p:nvGrpSpPr>
@@ -11091,7 +11162,7 @@
       </p:grpSpPr>
       <p:sp>
         <p:nvSpPr>
-          <p:cNvPr id="193" name="Google Shape;193;p22"/>
+          <p:cNvPr id="194" name="Google Shape;194;p22"/>
           <p:cNvSpPr txBox="1"/>
           <p:nvPr>
             <p:ph type="title"/>
@@ -11135,7 +11206,7 @@
       </p:sp>
       <p:sp>
         <p:nvSpPr>
-          <p:cNvPr id="194" name="Google Shape;194;p22"/>
+          <p:cNvPr id="195" name="Google Shape;195;p22"/>
           <p:cNvSpPr txBox="1"/>
           <p:nvPr>
             <p:ph idx="1" type="body"/>
@@ -11228,7 +11299,7 @@
   <p:cSld>
     <p:spTree>
       <p:nvGrpSpPr>
-        <p:cNvPr id="198" name="Shape 198"/>
+        <p:cNvPr id="199" name="Shape 199"/>
         <p:cNvGrpSpPr/>
         <p:nvPr/>
       </p:nvGrpSpPr>
@@ -11242,7 +11313,7 @@
       </p:grpSpPr>
       <p:sp>
         <p:nvSpPr>
-          <p:cNvPr id="199" name="Google Shape;199;p23"/>
+          <p:cNvPr id="200" name="Google Shape;200;p23"/>
           <p:cNvSpPr txBox="1"/>
           <p:nvPr>
             <p:ph idx="1" type="body"/>
@@ -11306,7 +11377,7 @@
       </p:sp>
       <p:pic>
         <p:nvPicPr>
-          <p:cNvPr id="200" name="Google Shape;200;p23"/>
+          <p:cNvPr id="201" name="Google Shape;201;p23"/>
           <p:cNvPicPr preferRelativeResize="0"/>
           <p:nvPr/>
         </p:nvPicPr>
@@ -11345,7 +11416,7 @@
   <p:cSld>
     <p:spTree>
       <p:nvGrpSpPr>
-        <p:cNvPr id="204" name="Shape 204"/>
+        <p:cNvPr id="205" name="Shape 205"/>
         <p:cNvGrpSpPr/>
         <p:nvPr/>
       </p:nvGrpSpPr>
@@ -11359,7 +11430,7 @@
       </p:grpSpPr>
       <p:sp>
         <p:nvSpPr>
-          <p:cNvPr id="205" name="Google Shape;205;p24"/>
+          <p:cNvPr id="206" name="Google Shape;206;p24"/>
           <p:cNvSpPr txBox="1"/>
           <p:nvPr>
             <p:ph idx="1" type="body"/>
@@ -11431,7 +11502,7 @@
       </p:sp>
       <p:pic>
         <p:nvPicPr>
-          <p:cNvPr id="206" name="Google Shape;206;p24"/>
+          <p:cNvPr id="207" name="Google Shape;207;p24"/>
           <p:cNvPicPr preferRelativeResize="0"/>
           <p:nvPr/>
         </p:nvPicPr>
@@ -11470,7 +11541,7 @@
   <p:cSld>
     <p:spTree>
       <p:nvGrpSpPr>
-        <p:cNvPr id="210" name="Shape 210"/>
+        <p:cNvPr id="211" name="Shape 211"/>
         <p:cNvGrpSpPr/>
         <p:nvPr/>
       </p:nvGrpSpPr>
@@ -11484,7 +11555,7 @@
       </p:grpSpPr>
       <p:sp>
         <p:nvSpPr>
-          <p:cNvPr id="211" name="Google Shape;211;p25"/>
+          <p:cNvPr id="212" name="Google Shape;212;p25"/>
           <p:cNvSpPr txBox="1"/>
           <p:nvPr>
             <p:ph idx="1" type="body"/>
@@ -11524,7 +11595,7 @@
       </p:sp>
       <p:pic>
         <p:nvPicPr>
-          <p:cNvPr id="212" name="Google Shape;212;p25"/>
+          <p:cNvPr id="213" name="Google Shape;213;p25"/>
           <p:cNvPicPr preferRelativeResize="0"/>
           <p:nvPr/>
         </p:nvPicPr>
@@ -11563,7 +11634,7 @@
   <p:cSld>
     <p:spTree>
       <p:nvGrpSpPr>
-        <p:cNvPr id="216" name="Shape 216"/>
+        <p:cNvPr id="217" name="Shape 217"/>
         <p:cNvGrpSpPr/>
         <p:nvPr/>
       </p:nvGrpSpPr>
@@ -11577,7 +11648,7 @@
       </p:grpSpPr>
       <p:sp>
         <p:nvSpPr>
-          <p:cNvPr id="217" name="Google Shape;217;p26"/>
+          <p:cNvPr id="218" name="Google Shape;218;p26"/>
           <p:cNvSpPr txBox="1"/>
           <p:nvPr>
             <p:ph type="title"/>
@@ -11617,7 +11688,7 @@
       </p:sp>
       <p:sp>
         <p:nvSpPr>
-          <p:cNvPr id="218" name="Google Shape;218;p26"/>
+          <p:cNvPr id="219" name="Google Shape;219;p26"/>
           <p:cNvSpPr txBox="1"/>
           <p:nvPr>
             <p:ph idx="1" type="body"/>
@@ -11688,7 +11759,7 @@
   <p:cSld>
     <p:spTree>
       <p:nvGrpSpPr>
-        <p:cNvPr id="222" name="Shape 222"/>
+        <p:cNvPr id="223" name="Shape 223"/>
         <p:cNvGrpSpPr/>
         <p:nvPr/>
       </p:nvGrpSpPr>
@@ -11702,7 +11773,7 @@
       </p:grpSpPr>
       <p:sp>
         <p:nvSpPr>
-          <p:cNvPr id="223" name="Google Shape;223;p27"/>
+          <p:cNvPr id="224" name="Google Shape;224;p27"/>
           <p:cNvSpPr txBox="1"/>
           <p:nvPr>
             <p:ph type="title"/>
@@ -11742,7 +11813,7 @@
       </p:sp>
       <p:sp>
         <p:nvSpPr>
-          <p:cNvPr id="224" name="Google Shape;224;p27"/>
+          <p:cNvPr id="225" name="Google Shape;225;p27"/>
           <p:cNvSpPr txBox="1"/>
           <p:nvPr>
             <p:ph idx="1" type="body"/>
@@ -11782,7 +11853,7 @@
       </p:sp>
       <p:pic>
         <p:nvPicPr>
-          <p:cNvPr id="225" name="Google Shape;225;p27"/>
+          <p:cNvPr id="226" name="Google Shape;226;p27"/>
           <p:cNvPicPr preferRelativeResize="0"/>
           <p:nvPr/>
         </p:nvPicPr>
@@ -11821,7 +11892,7 @@
   <p:cSld>
     <p:spTree>
       <p:nvGrpSpPr>
-        <p:cNvPr id="229" name="Shape 229"/>
+        <p:cNvPr id="230" name="Shape 230"/>
         <p:cNvGrpSpPr/>
         <p:nvPr/>
       </p:nvGrpSpPr>
@@ -11835,7 +11906,7 @@
       </p:grpSpPr>
       <p:sp>
         <p:nvSpPr>
-          <p:cNvPr id="230" name="Google Shape;230;p28"/>
+          <p:cNvPr id="231" name="Google Shape;231;p28"/>
           <p:cNvSpPr txBox="1"/>
           <p:nvPr>
             <p:ph type="title"/>
@@ -11875,7 +11946,7 @@
       </p:sp>
       <p:sp>
         <p:nvSpPr>
-          <p:cNvPr id="231" name="Google Shape;231;p28"/>
+          <p:cNvPr id="232" name="Google Shape;232;p28"/>
           <p:cNvSpPr txBox="1"/>
           <p:nvPr>
             <p:ph idx="1" type="body"/>
@@ -11926,7 +11997,7 @@
   <p:cSld>
     <p:spTree>
       <p:nvGrpSpPr>
-        <p:cNvPr id="235" name="Shape 235"/>
+        <p:cNvPr id="236" name="Shape 236"/>
         <p:cNvGrpSpPr/>
         <p:nvPr/>
       </p:nvGrpSpPr>
@@ -11940,7 +12011,7 @@
       </p:grpSpPr>
       <p:sp>
         <p:nvSpPr>
-          <p:cNvPr id="236" name="Google Shape;236;p29"/>
+          <p:cNvPr id="237" name="Google Shape;237;p29"/>
           <p:cNvSpPr txBox="1"/>
           <p:nvPr>
             <p:ph type="title"/>
@@ -11980,7 +12051,7 @@
       </p:sp>
       <p:sp>
         <p:nvSpPr>
-          <p:cNvPr id="237" name="Google Shape;237;p29"/>
+          <p:cNvPr id="238" name="Google Shape;238;p29"/>
           <p:cNvSpPr txBox="1"/>
           <p:nvPr>
             <p:ph idx="1" type="body"/>
@@ -12024,7 +12095,7 @@
       </p:sp>
       <p:pic>
         <p:nvPicPr>
-          <p:cNvPr id="238" name="Google Shape;238;p29"/>
+          <p:cNvPr id="239" name="Google Shape;239;p29"/>
           <p:cNvPicPr preferRelativeResize="0"/>
           <p:nvPr/>
         </p:nvPicPr>
@@ -12052,7 +12123,7 @@
       </p:pic>
       <p:pic>
         <p:nvPicPr>
-          <p:cNvPr id="239" name="Google Shape;239;p29"/>
+          <p:cNvPr id="240" name="Google Shape;240;p29"/>
           <p:cNvPicPr preferRelativeResize="0"/>
           <p:nvPr/>
         </p:nvPicPr>
@@ -12080,7 +12151,7 @@
       </p:pic>
       <p:pic>
         <p:nvPicPr>
-          <p:cNvPr id="240" name="Google Shape;240;p29"/>
+          <p:cNvPr id="241" name="Google Shape;241;p29"/>
           <p:cNvPicPr preferRelativeResize="0"/>
           <p:nvPr/>
         </p:nvPicPr>
@@ -12119,7 +12190,7 @@
   <p:cSld>
     <p:spTree>
       <p:nvGrpSpPr>
-        <p:cNvPr id="244" name="Shape 244"/>
+        <p:cNvPr id="245" name="Shape 245"/>
         <p:cNvGrpSpPr/>
         <p:nvPr/>
       </p:nvGrpSpPr>
@@ -12133,7 +12204,7 @@
       </p:grpSpPr>
       <p:sp>
         <p:nvSpPr>
-          <p:cNvPr id="245" name="Google Shape;245;p30"/>
+          <p:cNvPr id="246" name="Google Shape;246;p30"/>
           <p:cNvSpPr txBox="1"/>
           <p:nvPr>
             <p:ph type="title"/>
@@ -12173,7 +12244,7 @@
       </p:sp>
       <p:sp>
         <p:nvSpPr>
-          <p:cNvPr id="246" name="Google Shape;246;p30"/>
+          <p:cNvPr id="247" name="Google Shape;247;p30"/>
           <p:cNvSpPr txBox="1"/>
           <p:nvPr>
             <p:ph idx="1" type="body"/>
@@ -12229,7 +12300,7 @@
       </p:sp>
       <p:pic>
         <p:nvPicPr>
-          <p:cNvPr id="247" name="Google Shape;247;p30"/>
+          <p:cNvPr id="248" name="Google Shape;248;p30"/>
           <p:cNvPicPr preferRelativeResize="0"/>
           <p:nvPr/>
         </p:nvPicPr>
@@ -12257,7 +12328,7 @@
       </p:pic>
       <p:pic>
         <p:nvPicPr>
-          <p:cNvPr id="248" name="Google Shape;248;p30"/>
+          <p:cNvPr id="249" name="Google Shape;249;p30"/>
           <p:cNvPicPr preferRelativeResize="0"/>
           <p:nvPr/>
         </p:nvPicPr>
@@ -12285,7 +12356,7 @@
       </p:pic>
       <p:pic>
         <p:nvPicPr>
-          <p:cNvPr id="249" name="Google Shape;249;p30"/>
+          <p:cNvPr id="250" name="Google Shape;250;p30"/>
           <p:cNvPicPr preferRelativeResize="0"/>
           <p:nvPr/>
         </p:nvPicPr>
@@ -12324,7 +12395,7 @@
   <p:cSld>
     <p:spTree>
       <p:nvGrpSpPr>
-        <p:cNvPr id="253" name="Shape 253"/>
+        <p:cNvPr id="254" name="Shape 254"/>
         <p:cNvGrpSpPr/>
         <p:nvPr/>
       </p:nvGrpSpPr>
@@ -12338,7 +12409,7 @@
       </p:grpSpPr>
       <p:sp>
         <p:nvSpPr>
-          <p:cNvPr id="254" name="Google Shape;254;p31"/>
+          <p:cNvPr id="255" name="Google Shape;255;p31"/>
           <p:cNvSpPr txBox="1"/>
           <p:nvPr>
             <p:ph type="title"/>
@@ -12378,7 +12449,7 @@
       </p:sp>
       <p:sp>
         <p:nvSpPr>
-          <p:cNvPr id="255" name="Google Shape;255;p31"/>
+          <p:cNvPr id="256" name="Google Shape;256;p31"/>
           <p:cNvSpPr txBox="1"/>
           <p:nvPr>
             <p:ph idx="1" type="body"/>
@@ -12418,7 +12489,7 @@
       </p:sp>
       <p:pic>
         <p:nvPicPr>
-          <p:cNvPr id="256" name="Google Shape;256;p31"/>
+          <p:cNvPr id="257" name="Google Shape;257;p31"/>
           <p:cNvPicPr preferRelativeResize="0"/>
           <p:nvPr/>
         </p:nvPicPr>
@@ -12446,7 +12517,7 @@
       </p:pic>
       <p:pic>
         <p:nvPicPr>
-          <p:cNvPr id="257" name="Google Shape;257;p31"/>
+          <p:cNvPr id="258" name="Google Shape;258;p31"/>
           <p:cNvPicPr preferRelativeResize="0"/>
           <p:nvPr/>
         </p:nvPicPr>
@@ -12474,7 +12545,7 @@
       </p:pic>
       <p:pic>
         <p:nvPicPr>
-          <p:cNvPr id="258" name="Google Shape;258;p31"/>
+          <p:cNvPr id="259" name="Google Shape;259;p31"/>
           <p:cNvPicPr preferRelativeResize="0"/>
           <p:nvPr/>
         </p:nvPicPr>
@@ -12513,7 +12584,7 @@
   <p:cSld>
     <p:spTree>
       <p:nvGrpSpPr>
-        <p:cNvPr id="139" name="Shape 139"/>
+        <p:cNvPr id="140" name="Shape 140"/>
         <p:cNvGrpSpPr/>
         <p:nvPr/>
       </p:nvGrpSpPr>
@@ -12527,7 +12598,7 @@
       </p:grpSpPr>
       <p:sp>
         <p:nvSpPr>
-          <p:cNvPr id="140" name="Google Shape;140;p14"/>
+          <p:cNvPr id="141" name="Google Shape;141;p14"/>
           <p:cNvSpPr txBox="1"/>
           <p:nvPr>
             <p:ph type="title"/>
@@ -12567,7 +12638,7 @@
       </p:sp>
       <p:sp>
         <p:nvSpPr>
-          <p:cNvPr id="141" name="Google Shape;141;p14"/>
+          <p:cNvPr id="142" name="Google Shape;142;p14"/>
           <p:cNvSpPr txBox="1"/>
           <p:nvPr>
             <p:ph idx="1" type="body"/>
@@ -12642,7 +12713,7 @@
       </p:sp>
       <p:pic>
         <p:nvPicPr>
-          <p:cNvPr id="142" name="Google Shape;142;p14"/>
+          <p:cNvPr id="143" name="Google Shape;143;p14"/>
           <p:cNvPicPr preferRelativeResize="0"/>
           <p:nvPr/>
         </p:nvPicPr>
@@ -12681,7 +12752,7 @@
   <p:cSld>
     <p:spTree>
       <p:nvGrpSpPr>
-        <p:cNvPr id="262" name="Shape 262"/>
+        <p:cNvPr id="263" name="Shape 263"/>
         <p:cNvGrpSpPr/>
         <p:nvPr/>
       </p:nvGrpSpPr>
@@ -12695,7 +12766,7 @@
       </p:grpSpPr>
       <p:sp>
         <p:nvSpPr>
-          <p:cNvPr id="263" name="Google Shape;263;p32"/>
+          <p:cNvPr id="264" name="Google Shape;264;p32"/>
           <p:cNvSpPr txBox="1"/>
           <p:nvPr>
             <p:ph type="title"/>
@@ -12735,7 +12806,7 @@
       </p:sp>
       <p:sp>
         <p:nvSpPr>
-          <p:cNvPr id="264" name="Google Shape;264;p32"/>
+          <p:cNvPr id="265" name="Google Shape;265;p32"/>
           <p:cNvSpPr txBox="1"/>
           <p:nvPr>
             <p:ph idx="1" type="body"/>
@@ -12850,7 +12921,7 @@
   <p:cSld>
     <p:spTree>
       <p:nvGrpSpPr>
-        <p:cNvPr id="146" name="Shape 146"/>
+        <p:cNvPr id="147" name="Shape 147"/>
         <p:cNvGrpSpPr/>
         <p:nvPr/>
       </p:nvGrpSpPr>
@@ -12864,7 +12935,7 @@
       </p:grpSpPr>
       <p:sp>
         <p:nvSpPr>
-          <p:cNvPr id="147" name="Google Shape;147;p15"/>
+          <p:cNvPr id="148" name="Google Shape;148;p15"/>
           <p:cNvSpPr txBox="1"/>
           <p:nvPr>
             <p:ph type="title"/>
@@ -12904,7 +12975,7 @@
       </p:sp>
       <p:sp>
         <p:nvSpPr>
-          <p:cNvPr id="148" name="Google Shape;148;p15"/>
+          <p:cNvPr id="149" name="Google Shape;149;p15"/>
           <p:cNvSpPr txBox="1"/>
           <p:nvPr>
             <p:ph idx="1" type="body"/>
@@ -13078,7 +13149,7 @@
       </p:sp>
       <p:pic>
         <p:nvPicPr>
-          <p:cNvPr id="149" name="Google Shape;149;p15"/>
+          <p:cNvPr id="150" name="Google Shape;150;p15"/>
           <p:cNvPicPr preferRelativeResize="0"/>
           <p:nvPr/>
         </p:nvPicPr>
@@ -13117,7 +13188,7 @@
   <p:cSld>
     <p:spTree>
       <p:nvGrpSpPr>
-        <p:cNvPr id="153" name="Shape 153"/>
+        <p:cNvPr id="154" name="Shape 154"/>
         <p:cNvGrpSpPr/>
         <p:nvPr/>
       </p:nvGrpSpPr>
@@ -13131,7 +13202,7 @@
       </p:grpSpPr>
       <p:sp>
         <p:nvSpPr>
-          <p:cNvPr id="154" name="Google Shape;154;p16"/>
+          <p:cNvPr id="155" name="Google Shape;155;p16"/>
           <p:cNvSpPr txBox="1"/>
           <p:nvPr>
             <p:ph idx="1" type="body"/>
@@ -13171,7 +13242,7 @@
       </p:sp>
       <p:pic>
         <p:nvPicPr>
-          <p:cNvPr id="155" name="Google Shape;155;p16"/>
+          <p:cNvPr id="156" name="Google Shape;156;p16"/>
           <p:cNvPicPr preferRelativeResize="0"/>
           <p:nvPr/>
         </p:nvPicPr>
@@ -13199,7 +13270,7 @@
       </p:pic>
       <p:sp>
         <p:nvSpPr>
-          <p:cNvPr id="156" name="Google Shape;156;p16"/>
+          <p:cNvPr id="157" name="Google Shape;157;p16"/>
           <p:cNvSpPr txBox="1"/>
           <p:nvPr/>
         </p:nvSpPr>
@@ -13268,7 +13339,7 @@
   <p:cSld>
     <p:spTree>
       <p:nvGrpSpPr>
-        <p:cNvPr id="160" name="Shape 160"/>
+        <p:cNvPr id="161" name="Shape 161"/>
         <p:cNvGrpSpPr/>
         <p:nvPr/>
       </p:nvGrpSpPr>
@@ -13282,7 +13353,7 @@
       </p:grpSpPr>
       <p:sp>
         <p:nvSpPr>
-          <p:cNvPr id="161" name="Google Shape;161;p17"/>
+          <p:cNvPr id="162" name="Google Shape;162;p17"/>
           <p:cNvSpPr txBox="1"/>
           <p:nvPr>
             <p:ph type="title"/>
@@ -13322,7 +13393,7 @@
       </p:sp>
       <p:sp>
         <p:nvSpPr>
-          <p:cNvPr id="162" name="Google Shape;162;p17"/>
+          <p:cNvPr id="163" name="Google Shape;163;p17"/>
           <p:cNvSpPr txBox="1"/>
           <p:nvPr>
             <p:ph idx="1" type="body"/>
@@ -13470,7 +13541,7 @@
   <p:cSld>
     <p:spTree>
       <p:nvGrpSpPr>
-        <p:cNvPr id="166" name="Shape 166"/>
+        <p:cNvPr id="167" name="Shape 167"/>
         <p:cNvGrpSpPr/>
         <p:nvPr/>
       </p:nvGrpSpPr>
@@ -13484,7 +13555,7 @@
       </p:grpSpPr>
       <p:sp>
         <p:nvSpPr>
-          <p:cNvPr id="167" name="Google Shape;167;p18"/>
+          <p:cNvPr id="168" name="Google Shape;168;p18"/>
           <p:cNvSpPr txBox="1"/>
           <p:nvPr>
             <p:ph type="title"/>
@@ -13531,7 +13602,7 @@
       </p:sp>
       <p:pic>
         <p:nvPicPr>
-          <p:cNvPr id="168" name="Google Shape;168;p18"/>
+          <p:cNvPr id="169" name="Google Shape;169;p18"/>
           <p:cNvPicPr preferRelativeResize="0"/>
           <p:nvPr/>
         </p:nvPicPr>
@@ -13559,7 +13630,7 @@
       </p:pic>
       <p:sp>
         <p:nvSpPr>
-          <p:cNvPr id="169" name="Google Shape;169;p18"/>
+          <p:cNvPr id="170" name="Google Shape;170;p18"/>
           <p:cNvSpPr txBox="1"/>
           <p:nvPr>
             <p:ph idx="1" type="body"/>
@@ -13626,7 +13697,7 @@
   <p:cSld>
     <p:spTree>
       <p:nvGrpSpPr>
-        <p:cNvPr id="173" name="Shape 173"/>
+        <p:cNvPr id="174" name="Shape 174"/>
         <p:cNvGrpSpPr/>
         <p:nvPr/>
       </p:nvGrpSpPr>
@@ -13640,7 +13711,7 @@
       </p:grpSpPr>
       <p:sp>
         <p:nvSpPr>
-          <p:cNvPr id="174" name="Google Shape;174;p19"/>
+          <p:cNvPr id="175" name="Google Shape;175;p19"/>
           <p:cNvSpPr txBox="1"/>
           <p:nvPr>
             <p:ph type="title"/>
@@ -13680,7 +13751,7 @@
       </p:sp>
       <p:sp>
         <p:nvSpPr>
-          <p:cNvPr id="175" name="Google Shape;175;p19"/>
+          <p:cNvPr id="176" name="Google Shape;176;p19"/>
           <p:cNvSpPr txBox="1"/>
           <p:nvPr>
             <p:ph idx="1" type="body"/>
@@ -13819,7 +13890,7 @@
   <p:cSld>
     <p:spTree>
       <p:nvGrpSpPr>
-        <p:cNvPr id="179" name="Shape 179"/>
+        <p:cNvPr id="180" name="Shape 180"/>
         <p:cNvGrpSpPr/>
         <p:nvPr/>
       </p:nvGrpSpPr>
@@ -13833,7 +13904,7 @@
       </p:grpSpPr>
       <p:sp>
         <p:nvSpPr>
-          <p:cNvPr id="180" name="Google Shape;180;p20"/>
+          <p:cNvPr id="181" name="Google Shape;181;p20"/>
           <p:cNvSpPr txBox="1"/>
           <p:nvPr>
             <p:ph type="title"/>
@@ -13877,7 +13948,7 @@
       </p:sp>
       <p:sp>
         <p:nvSpPr>
-          <p:cNvPr id="181" name="Google Shape;181;p20"/>
+          <p:cNvPr id="182" name="Google Shape;182;p20"/>
           <p:cNvSpPr txBox="1"/>
           <p:nvPr>
             <p:ph idx="1" type="body"/>
@@ -14049,7 +14120,7 @@
   <p:cSld>
     <p:spTree>
       <p:nvGrpSpPr>
-        <p:cNvPr id="185" name="Shape 185"/>
+        <p:cNvPr id="186" name="Shape 186"/>
         <p:cNvGrpSpPr/>
         <p:nvPr/>
       </p:nvGrpSpPr>
@@ -14063,7 +14134,7 @@
       </p:grpSpPr>
       <p:sp>
         <p:nvSpPr>
-          <p:cNvPr id="186" name="Google Shape;186;p21"/>
+          <p:cNvPr id="187" name="Google Shape;187;p21"/>
           <p:cNvSpPr txBox="1"/>
           <p:nvPr>
             <p:ph idx="1" type="body"/>
@@ -14186,7 +14257,7 @@
       </p:sp>
       <p:sp>
         <p:nvSpPr>
-          <p:cNvPr id="187" name="Google Shape;187;p21"/>
+          <p:cNvPr id="188" name="Google Shape;188;p21"/>
           <p:cNvSpPr txBox="1"/>
           <p:nvPr>
             <p:ph type="title"/>
@@ -14226,7 +14297,7 @@
       </p:sp>
       <p:pic>
         <p:nvPicPr>
-          <p:cNvPr id="188" name="Google Shape;188;p21"/>
+          <p:cNvPr id="189" name="Google Shape;189;p21"/>
           <p:cNvPicPr preferRelativeResize="0"/>
           <p:nvPr/>
         </p:nvPicPr>
